--- a/powerpoints/1_Core Java.pptx
+++ b/powerpoints/1_Core Java.pptx
@@ -9,8 +9,8 @@
   </p:notesMasterIdLst>
   <p:sldIdLst>
     <p:sldId id="256" r:id="rId2"/>
-    <p:sldId id="257" r:id="rId3"/>
-    <p:sldId id="286" r:id="rId4"/>
+    <p:sldId id="286" r:id="rId3"/>
+    <p:sldId id="257" r:id="rId4"/>
     <p:sldId id="258" r:id="rId5"/>
     <p:sldId id="259" r:id="rId6"/>
     <p:sldId id="261" r:id="rId7"/>
@@ -225,7 +225,7 @@
           <a:p>
             <a:fld id="{D57E2924-9166-4D8A-BCBE-CC8C2522A71F}" type="datetimeFigureOut">
               <a:rPr lang="en-US" smtClean="0"/>
-              <a:t>4/19/2019</a:t>
+              <a:t>5/1/19</a:t>
             </a:fld>
             <a:endParaRPr lang="en-US"/>
           </a:p>
@@ -536,6 +536,22 @@
           <a:bodyPr/>
           <a:lstStyle/>
           <a:p>
+            <a:r>
+              <a:rPr lang="en-US" dirty="0"/>
+              <a:t>S1 == S2 ?</a:t>
+            </a:r>
+          </a:p>
+          <a:p>
+            <a:r>
+              <a:rPr lang="en-US" dirty="0"/>
+              <a:t>S1 == S3?</a:t>
+            </a:r>
+          </a:p>
+          <a:p>
+            <a:r>
+              <a:rPr lang="en-US"/>
+              <a:t>S1.equals(S3)?</a:t>
+            </a:r>
             <a:endParaRPr lang="en-US" dirty="0"/>
           </a:p>
         </p:txBody>
@@ -566,7 +582,7 @@
     </p:spTree>
     <p:extLst>
       <p:ext uri="{BB962C8B-B14F-4D97-AF65-F5344CB8AC3E}">
-        <p14:creationId xmlns:p14="http://schemas.microsoft.com/office/powerpoint/2010/main" val="1971263377"/>
+        <p14:creationId xmlns:p14="http://schemas.microsoft.com/office/powerpoint/2010/main" val="907593578"/>
       </p:ext>
     </p:extLst>
   </p:cSld>
@@ -791,22 +807,6 @@
           <a:bodyPr/>
           <a:lstStyle/>
           <a:p>
-            <a:r>
-              <a:rPr lang="en-US" dirty="0"/>
-              <a:t>S1 == S2 ?</a:t>
-            </a:r>
-          </a:p>
-          <a:p>
-            <a:r>
-              <a:rPr lang="en-US" dirty="0"/>
-              <a:t>S1 == S3?</a:t>
-            </a:r>
-          </a:p>
-          <a:p>
-            <a:r>
-              <a:rPr lang="en-US"/>
-              <a:t>S1.equals(S3)?</a:t>
-            </a:r>
             <a:endParaRPr lang="en-US" dirty="0"/>
           </a:p>
         </p:txBody>
@@ -837,7 +837,7 @@
     </p:spTree>
     <p:extLst>
       <p:ext uri="{BB962C8B-B14F-4D97-AF65-F5344CB8AC3E}">
-        <p14:creationId xmlns:p14="http://schemas.microsoft.com/office/powerpoint/2010/main" val="907593578"/>
+        <p14:creationId xmlns:p14="http://schemas.microsoft.com/office/powerpoint/2010/main" val="1971263377"/>
       </p:ext>
     </p:extLst>
   </p:cSld>
@@ -2277,7 +2277,7 @@
           <a:p>
             <a:fld id="{63CC03EF-C4F1-4412-BBEB-80E4A4A353C2}" type="datetimeFigureOut">
               <a:rPr lang="en-US" smtClean="0"/>
-              <a:t>4/19/2019</a:t>
+              <a:t>5/1/19</a:t>
             </a:fld>
             <a:endParaRPr lang="en-US"/>
           </a:p>
@@ -2528,7 +2528,7 @@
           <a:p>
             <a:fld id="{63CC03EF-C4F1-4412-BBEB-80E4A4A353C2}" type="datetimeFigureOut">
               <a:rPr lang="en-US" smtClean="0"/>
-              <a:t>4/19/2019</a:t>
+              <a:t>5/1/19</a:t>
             </a:fld>
             <a:endParaRPr lang="en-US"/>
           </a:p>
@@ -2842,7 +2842,7 @@
           <a:p>
             <a:fld id="{63CC03EF-C4F1-4412-BBEB-80E4A4A353C2}" type="datetimeFigureOut">
               <a:rPr lang="en-US" smtClean="0"/>
-              <a:t>4/19/2019</a:t>
+              <a:t>5/1/19</a:t>
             </a:fld>
             <a:endParaRPr lang="en-US"/>
           </a:p>
@@ -3183,7 +3183,7 @@
           <a:p>
             <a:fld id="{63CC03EF-C4F1-4412-BBEB-80E4A4A353C2}" type="datetimeFigureOut">
               <a:rPr lang="en-US" smtClean="0"/>
-              <a:t>4/19/2019</a:t>
+              <a:t>5/1/19</a:t>
             </a:fld>
             <a:endParaRPr lang="en-US"/>
           </a:p>
@@ -3497,7 +3497,7 @@
           <a:p>
             <a:fld id="{63CC03EF-C4F1-4412-BBEB-80E4A4A353C2}" type="datetimeFigureOut">
               <a:rPr lang="en-US" smtClean="0"/>
-              <a:t>4/19/2019</a:t>
+              <a:t>5/1/19</a:t>
             </a:fld>
             <a:endParaRPr lang="en-US"/>
           </a:p>
@@ -3890,7 +3890,7 @@
           <a:p>
             <a:fld id="{63CC03EF-C4F1-4412-BBEB-80E4A4A353C2}" type="datetimeFigureOut">
               <a:rPr lang="en-US" smtClean="0"/>
-              <a:t>4/19/2019</a:t>
+              <a:t>5/1/19</a:t>
             </a:fld>
             <a:endParaRPr lang="en-US"/>
           </a:p>
@@ -4060,7 +4060,7 @@
           <a:p>
             <a:fld id="{63CC03EF-C4F1-4412-BBEB-80E4A4A353C2}" type="datetimeFigureOut">
               <a:rPr lang="en-US" smtClean="0"/>
-              <a:t>4/19/2019</a:t>
+              <a:t>5/1/19</a:t>
             </a:fld>
             <a:endParaRPr lang="en-US"/>
           </a:p>
@@ -4240,7 +4240,7 @@
           <a:p>
             <a:fld id="{63CC03EF-C4F1-4412-BBEB-80E4A4A353C2}" type="datetimeFigureOut">
               <a:rPr lang="en-US" smtClean="0"/>
-              <a:t>4/19/2019</a:t>
+              <a:t>5/1/19</a:t>
             </a:fld>
             <a:endParaRPr lang="en-US"/>
           </a:p>
@@ -4416,7 +4416,7 @@
           <a:p>
             <a:fld id="{63CC03EF-C4F1-4412-BBEB-80E4A4A353C2}" type="datetimeFigureOut">
               <a:rPr lang="en-US" smtClean="0"/>
-              <a:t>4/19/2019</a:t>
+              <a:t>5/1/19</a:t>
             </a:fld>
             <a:endParaRPr lang="en-US"/>
           </a:p>
@@ -4663,7 +4663,7 @@
           <a:p>
             <a:fld id="{63CC03EF-C4F1-4412-BBEB-80E4A4A353C2}" type="datetimeFigureOut">
               <a:rPr lang="en-US" smtClean="0"/>
-              <a:t>4/19/2019</a:t>
+              <a:t>5/1/19</a:t>
             </a:fld>
             <a:endParaRPr lang="en-US"/>
           </a:p>
@@ -4895,7 +4895,7 @@
           <a:p>
             <a:fld id="{63CC03EF-C4F1-4412-BBEB-80E4A4A353C2}" type="datetimeFigureOut">
               <a:rPr lang="en-US" smtClean="0"/>
-              <a:t>4/19/2019</a:t>
+              <a:t>5/1/19</a:t>
             </a:fld>
             <a:endParaRPr lang="en-US"/>
           </a:p>
@@ -5269,7 +5269,7 @@
           <a:p>
             <a:fld id="{63CC03EF-C4F1-4412-BBEB-80E4A4A353C2}" type="datetimeFigureOut">
               <a:rPr lang="en-US" smtClean="0"/>
-              <a:t>4/19/2019</a:t>
+              <a:t>5/1/19</a:t>
             </a:fld>
             <a:endParaRPr lang="en-US"/>
           </a:p>
@@ -5392,7 +5392,7 @@
           <a:p>
             <a:fld id="{63CC03EF-C4F1-4412-BBEB-80E4A4A353C2}" type="datetimeFigureOut">
               <a:rPr lang="en-US" smtClean="0"/>
-              <a:t>4/19/2019</a:t>
+              <a:t>5/1/19</a:t>
             </a:fld>
             <a:endParaRPr lang="en-US"/>
           </a:p>
@@ -5487,7 +5487,7 @@
           <a:p>
             <a:fld id="{63CC03EF-C4F1-4412-BBEB-80E4A4A353C2}" type="datetimeFigureOut">
               <a:rPr lang="en-US" smtClean="0"/>
-              <a:t>4/19/2019</a:t>
+              <a:t>5/1/19</a:t>
             </a:fld>
             <a:endParaRPr lang="en-US"/>
           </a:p>
@@ -5742,7 +5742,7 @@
           <a:p>
             <a:fld id="{63CC03EF-C4F1-4412-BBEB-80E4A4A353C2}" type="datetimeFigureOut">
               <a:rPr lang="en-US" smtClean="0"/>
-              <a:t>4/19/2019</a:t>
+              <a:t>5/1/19</a:t>
             </a:fld>
             <a:endParaRPr lang="en-US"/>
           </a:p>
@@ -6005,7 +6005,7 @@
           <a:p>
             <a:fld id="{63CC03EF-C4F1-4412-BBEB-80E4A4A353C2}" type="datetimeFigureOut">
               <a:rPr lang="en-US" smtClean="0"/>
-              <a:t>4/19/2019</a:t>
+              <a:t>5/1/19</a:t>
             </a:fld>
             <a:endParaRPr lang="en-US"/>
           </a:p>
@@ -6748,7 +6748,7 @@
           <a:p>
             <a:fld id="{63CC03EF-C4F1-4412-BBEB-80E4A4A353C2}" type="datetimeFigureOut">
               <a:rPr lang="en-US" smtClean="0"/>
-              <a:t>4/19/2019</a:t>
+              <a:t>5/1/19</a:t>
             </a:fld>
             <a:endParaRPr lang="en-US"/>
           </a:p>
@@ -9538,6 +9538,14 @@
 <file path=ppt/slides/slide2.xml><?xml version="1.0" encoding="utf-8"?>
 <p:sld xmlns:a="http://schemas.openxmlformats.org/drawingml/2006/main" xmlns:r="http://schemas.openxmlformats.org/officeDocument/2006/relationships" xmlns:p="http://schemas.openxmlformats.org/presentationml/2006/main">
   <p:cSld>
+    <p:bg>
+      <p:bgPr>
+        <a:solidFill>
+          <a:schemeClr val="bg1"/>
+        </a:solidFill>
+        <a:effectLst/>
+      </p:bgPr>
+    </p:bg>
     <p:spTree>
       <p:nvGrpSpPr>
         <p:cNvPr id="1" name=""/>
@@ -9552,12 +9560,196 @@
           <a:chExt cx="0" cy="0"/>
         </a:xfrm>
       </p:grpSpPr>
+      <p:sp useBgFill="1">
+        <p:nvSpPr>
+          <p:cNvPr id="9" name="Rectangle 8">
+            <a:extLst>
+              <a:ext uri="{FF2B5EF4-FFF2-40B4-BE49-F238E27FC236}">
+                <a16:creationId xmlns:a16="http://schemas.microsoft.com/office/drawing/2014/main" id="{9F4444CE-BC8D-4D61-B303-4C05614E62AB}"/>
+              </a:ext>
+              <a:ext uri="{C183D7F6-B498-43B3-948B-1728B52AA6E4}">
+                <adec:decorative xmlns:adec="http://schemas.microsoft.com/office/drawing/2017/decorative" val="1"/>
+              </a:ext>
+            </a:extLst>
+          </p:cNvPr>
+          <p:cNvSpPr>
+            <a:spLocks noGrp="1" noRot="1" noChangeAspect="1" noMove="1" noResize="1" noEditPoints="1" noAdjustHandles="1" noChangeArrowheads="1" noChangeShapeType="1" noTextEdit="1"/>
+          </p:cNvSpPr>
+          <p:nvPr>
+            <p:extLst>
+              <p:ext uri="{386F3935-93C4-4BCD-93E2-E3B085C9AB24}">
+                <p16:designElem xmlns:p16="http://schemas.microsoft.com/office/powerpoint/2015/main" val="1"/>
+              </p:ext>
+            </p:extLst>
+          </p:nvPr>
+        </p:nvSpPr>
+        <p:spPr>
+          <a:xfrm>
+            <a:off x="0" y="0"/>
+            <a:ext cx="12192000" cy="6858000"/>
+          </a:xfrm>
+          <a:prstGeom prst="rect">
+            <a:avLst/>
+          </a:prstGeom>
+          <a:ln>
+            <a:noFill/>
+          </a:ln>
+        </p:spPr>
+        <p:style>
+          <a:lnRef idx="2">
+            <a:schemeClr val="accent1">
+              <a:shade val="50000"/>
+            </a:schemeClr>
+          </a:lnRef>
+          <a:fillRef idx="1">
+            <a:schemeClr val="accent1"/>
+          </a:fillRef>
+          <a:effectRef idx="0">
+            <a:schemeClr val="accent1"/>
+          </a:effectRef>
+          <a:fontRef idx="minor">
+            <a:schemeClr val="lt1"/>
+          </a:fontRef>
+        </p:style>
+        <p:txBody>
+          <a:bodyPr rtlCol="0" anchor="ctr"/>
+          <a:lstStyle/>
+          <a:p>
+            <a:pPr algn="ctr"/>
+            <a:endParaRPr lang="en-US"/>
+          </a:p>
+        </p:txBody>
+      </p:sp>
+      <p:sp>
+        <p:nvSpPr>
+          <p:cNvPr id="11" name="Rectangle 10">
+            <a:extLst>
+              <a:ext uri="{FF2B5EF4-FFF2-40B4-BE49-F238E27FC236}">
+                <a16:creationId xmlns:a16="http://schemas.microsoft.com/office/drawing/2014/main" id="{62423CA5-E2E1-4789-B759-9906C1C94063}"/>
+              </a:ext>
+              <a:ext uri="{C183D7F6-B498-43B3-948B-1728B52AA6E4}">
+                <adec:decorative xmlns:adec="http://schemas.microsoft.com/office/drawing/2017/decorative" val="1"/>
+              </a:ext>
+            </a:extLst>
+          </p:cNvPr>
+          <p:cNvSpPr>
+            <a:spLocks noGrp="1" noRot="1" noChangeAspect="1" noMove="1" noResize="1" noEditPoints="1" noAdjustHandles="1" noChangeArrowheads="1" noChangeShapeType="1" noTextEdit="1"/>
+          </p:cNvSpPr>
+          <p:nvPr>
+            <p:extLst>
+              <p:ext uri="{386F3935-93C4-4BCD-93E2-E3B085C9AB24}">
+                <p16:designElem xmlns:p16="http://schemas.microsoft.com/office/powerpoint/2015/main" val="1"/>
+              </p:ext>
+            </p:extLst>
+          </p:nvPr>
+        </p:nvSpPr>
+        <p:spPr>
+          <a:xfrm>
+            <a:off x="0" y="-3"/>
+            <a:ext cx="4660126" cy="6858000"/>
+          </a:xfrm>
+          <a:prstGeom prst="rect">
+            <a:avLst/>
+          </a:prstGeom>
+          <a:solidFill>
+            <a:schemeClr val="tx2"/>
+          </a:solidFill>
+          <a:ln>
+            <a:noFill/>
+          </a:ln>
+          <a:effectLst/>
+        </p:spPr>
+        <p:style>
+          <a:lnRef idx="1">
+            <a:schemeClr val="accent1"/>
+          </a:lnRef>
+          <a:fillRef idx="3">
+            <a:schemeClr val="accent1"/>
+          </a:fillRef>
+          <a:effectRef idx="2">
+            <a:schemeClr val="accent1"/>
+          </a:effectRef>
+          <a:fontRef idx="minor">
+            <a:schemeClr val="lt1"/>
+          </a:fontRef>
+        </p:style>
+        <p:txBody>
+          <a:bodyPr/>
+          <a:lstStyle/>
+          <a:p>
+            <a:endParaRPr lang="en-US"/>
+          </a:p>
+        </p:txBody>
+      </p:sp>
+      <p:sp>
+        <p:nvSpPr>
+          <p:cNvPr id="13" name="Isosceles Triangle 12">
+            <a:extLst>
+              <a:ext uri="{FF2B5EF4-FFF2-40B4-BE49-F238E27FC236}">
+                <a16:creationId xmlns:a16="http://schemas.microsoft.com/office/drawing/2014/main" id="{73772B81-181F-48B7-8826-4D9686D15DF5}"/>
+              </a:ext>
+              <a:ext uri="{C183D7F6-B498-43B3-948B-1728B52AA6E4}">
+                <adec:decorative xmlns:adec="http://schemas.microsoft.com/office/drawing/2017/decorative" val="1"/>
+              </a:ext>
+            </a:extLst>
+          </p:cNvPr>
+          <p:cNvSpPr>
+            <a:spLocks noGrp="1" noRot="1" noChangeAspect="1" noMove="1" noResize="1" noEditPoints="1" noAdjustHandles="1" noChangeArrowheads="1" noChangeShapeType="1" noTextEdit="1"/>
+          </p:cNvSpPr>
+          <p:nvPr>
+            <p:extLst>
+              <p:ext uri="{386F3935-93C4-4BCD-93E2-E3B085C9AB24}">
+                <p16:designElem xmlns:p16="http://schemas.microsoft.com/office/powerpoint/2015/main" val="1"/>
+              </p:ext>
+            </p:extLst>
+          </p:nvPr>
+        </p:nvSpPr>
+        <p:spPr>
+          <a:xfrm rot="10800000">
+            <a:off x="4660127" y="-3"/>
+            <a:ext cx="1056745" cy="6858001"/>
+          </a:xfrm>
+          <a:prstGeom prst="triangle">
+            <a:avLst>
+              <a:gd name="adj" fmla="val 100000"/>
+            </a:avLst>
+          </a:prstGeom>
+          <a:solidFill>
+            <a:schemeClr val="tx2"/>
+          </a:solidFill>
+          <a:ln>
+            <a:noFill/>
+          </a:ln>
+          <a:effectLst/>
+        </p:spPr>
+        <p:style>
+          <a:lnRef idx="1">
+            <a:schemeClr val="accent1"/>
+          </a:lnRef>
+          <a:fillRef idx="3">
+            <a:schemeClr val="accent1"/>
+          </a:fillRef>
+          <a:effectRef idx="2">
+            <a:schemeClr val="accent1"/>
+          </a:effectRef>
+          <a:fontRef idx="minor">
+            <a:schemeClr val="lt1"/>
+          </a:fontRef>
+        </p:style>
+        <p:txBody>
+          <a:bodyPr/>
+          <a:lstStyle/>
+          <a:p>
+            <a:endParaRPr lang="en-US" dirty="0"/>
+          </a:p>
+        </p:txBody>
+      </p:sp>
       <p:sp>
         <p:nvSpPr>
           <p:cNvPr id="2" name="Title 1">
             <a:extLst>
               <a:ext uri="{FF2B5EF4-FFF2-40B4-BE49-F238E27FC236}">
-                <a16:creationId xmlns:a16="http://schemas.microsoft.com/office/drawing/2014/main" id="{FA2E0990-E711-408F-9E84-4958CDBA1A70}"/>
+                <a16:creationId xmlns:a16="http://schemas.microsoft.com/office/drawing/2014/main" id="{24211E32-97D5-4E6C-B377-61979D8B12B7}"/>
               </a:ext>
             </a:extLst>
           </p:cNvPr>
@@ -9570,8 +9762,47 @@
         </p:nvSpPr>
         <p:spPr>
           <a:xfrm>
-            <a:off x="677334" y="497150"/>
-            <a:ext cx="8596668" cy="722050"/>
+            <a:off x="673754" y="643467"/>
+            <a:ext cx="4203045" cy="1375608"/>
+          </a:xfrm>
+        </p:spPr>
+        <p:txBody>
+          <a:bodyPr anchor="ctr">
+            <a:normAutofit/>
+          </a:bodyPr>
+          <a:lstStyle/>
+          <a:p>
+            <a:r>
+              <a:rPr lang="en-US">
+                <a:solidFill>
+                  <a:schemeClr val="bg1"/>
+                </a:solidFill>
+              </a:rPr>
+              <a:t>Topic: String constant pool</a:t>
+            </a:r>
+          </a:p>
+        </p:txBody>
+      </p:sp>
+      <p:sp>
+        <p:nvSpPr>
+          <p:cNvPr id="3" name="Content Placeholder 2">
+            <a:extLst>
+              <a:ext uri="{FF2B5EF4-FFF2-40B4-BE49-F238E27FC236}">
+                <a16:creationId xmlns:a16="http://schemas.microsoft.com/office/drawing/2014/main" id="{B37C9C8A-EF95-4585-82ED-353B4AD1DF6C}"/>
+              </a:ext>
+            </a:extLst>
+          </p:cNvPr>
+          <p:cNvSpPr>
+            <a:spLocks noGrp="1"/>
+          </p:cNvSpPr>
+          <p:nvPr>
+            <p:ph idx="1"/>
+          </p:nvPr>
+        </p:nvSpPr>
+        <p:spPr>
+          <a:xfrm>
+            <a:off x="673754" y="2160590"/>
+            <a:ext cx="3973943" cy="3440110"/>
           </a:xfrm>
         </p:spPr>
         <p:txBody>
@@ -9580,274 +9811,97 @@
           </a:bodyPr>
           <a:lstStyle/>
           <a:p>
-            <a:r>
-              <a:rPr lang="en-US" dirty="0"/>
-              <a:t>Topic : String</a:t>
-            </a:r>
-          </a:p>
-        </p:txBody>
-      </p:sp>
-      <p:sp>
-        <p:nvSpPr>
-          <p:cNvPr id="3" name="Content Placeholder 2">
-            <a:extLst>
-              <a:ext uri="{FF2B5EF4-FFF2-40B4-BE49-F238E27FC236}">
-                <a16:creationId xmlns:a16="http://schemas.microsoft.com/office/drawing/2014/main" id="{7B367CF5-CC5D-4D50-9011-59452E7AA9B7}"/>
-              </a:ext>
-            </a:extLst>
-          </p:cNvPr>
-          <p:cNvSpPr>
-            <a:spLocks noGrp="1"/>
-          </p:cNvSpPr>
-          <p:nvPr>
-            <p:ph idx="1"/>
-          </p:nvPr>
-        </p:nvSpPr>
-        <p:spPr>
-          <a:xfrm>
-            <a:off x="677334" y="1219200"/>
-            <a:ext cx="10837332" cy="5364480"/>
-          </a:xfrm>
-        </p:spPr>
-        <p:txBody>
-          <a:bodyPr/>
-          <a:lstStyle/>
-          <a:p>
-            <a:r>
-              <a:rPr lang="en-US" dirty="0"/>
-              <a:t>String is immutable</a:t>
-            </a:r>
-          </a:p>
-          <a:p>
-            <a:pPr lvl="1"/>
-            <a:r>
-              <a:rPr lang="en-US" dirty="0"/>
-              <a:t>String </a:t>
-            </a:r>
-            <a:r>
-              <a:rPr lang="en-US" i="1" dirty="0"/>
-              <a:t>str1</a:t>
-            </a:r>
-            <a:r>
-              <a:rPr lang="en-US" dirty="0"/>
-              <a:t> = “</a:t>
-            </a:r>
-            <a:r>
-              <a:rPr lang="en-US" dirty="0" err="1"/>
-              <a:t>abc</a:t>
-            </a:r>
-            <a:r>
-              <a:rPr lang="en-US" dirty="0"/>
-              <a:t>”;   String </a:t>
-            </a:r>
-            <a:r>
-              <a:rPr lang="en-US" i="1" dirty="0"/>
-              <a:t>str2</a:t>
-            </a:r>
-            <a:r>
-              <a:rPr lang="en-US" dirty="0"/>
-              <a:t> = new String(“</a:t>
-            </a:r>
-            <a:r>
-              <a:rPr lang="en-US" dirty="0" err="1"/>
-              <a:t>abc</a:t>
-            </a:r>
-            <a:r>
-              <a:rPr lang="en-US" dirty="0"/>
-              <a:t>”);  String </a:t>
-            </a:r>
-            <a:r>
-              <a:rPr lang="en-US" i="1" dirty="0"/>
-              <a:t>str3</a:t>
-            </a:r>
-            <a:r>
-              <a:rPr lang="en-US" dirty="0"/>
-              <a:t> = “</a:t>
-            </a:r>
-            <a:r>
-              <a:rPr lang="en-US" dirty="0" err="1"/>
-              <a:t>abc</a:t>
-            </a:r>
-            <a:r>
-              <a:rPr lang="en-US" dirty="0"/>
-              <a:t>”;  String </a:t>
-            </a:r>
-            <a:r>
-              <a:rPr lang="en-US" i="1" dirty="0"/>
-              <a:t>str4</a:t>
-            </a:r>
-            <a:r>
-              <a:rPr lang="en-US" dirty="0"/>
-              <a:t> = str1 + str2;</a:t>
-            </a:r>
-          </a:p>
-          <a:p>
-            <a:pPr lvl="2"/>
-            <a:r>
-              <a:rPr lang="en-US" dirty="0"/>
-              <a:t>Reference vs Value:	 1) str1 == str2 ?    2) Str1.equals(str2) ?       3) str1.compareTo(str2)</a:t>
-            </a:r>
-          </a:p>
-          <a:p>
-            <a:pPr lvl="2"/>
-            <a:r>
-              <a:rPr lang="en-US" dirty="0"/>
-              <a:t>Constant Pool:	How many objects ? (Pool)</a:t>
-            </a:r>
-          </a:p>
-          <a:p>
-            <a:pPr lvl="2"/>
-            <a:r>
-              <a:rPr lang="en-US" dirty="0"/>
-              <a:t>Built-in Functions:	</a:t>
-            </a:r>
-            <a:r>
-              <a:rPr lang="en-US" dirty="0" err="1"/>
-              <a:t>charAt</a:t>
-            </a:r>
-            <a:r>
-              <a:rPr lang="en-US" dirty="0"/>
-              <a:t>(), length(), substring(,), contains(), equals(), </a:t>
-            </a:r>
-            <a:r>
-              <a:rPr lang="en-US" dirty="0" err="1"/>
-              <a:t>toUpperCase</a:t>
-            </a:r>
-            <a:r>
-              <a:rPr lang="en-US" dirty="0"/>
-              <a:t>()</a:t>
-            </a:r>
-          </a:p>
-          <a:p>
-            <a:r>
-              <a:rPr lang="en-US" dirty="0"/>
-              <a:t>StringBuilder &amp; </a:t>
-            </a:r>
-            <a:r>
-              <a:rPr lang="en-US" dirty="0" err="1"/>
-              <a:t>StringBuffer</a:t>
-            </a:r>
-            <a:endParaRPr lang="en-US" dirty="0"/>
-          </a:p>
-          <a:p>
-            <a:pPr lvl="1"/>
-            <a:r>
-              <a:rPr lang="en-US" dirty="0"/>
-              <a:t>StringBuilder sb = new StringBuilder(“</a:t>
-            </a:r>
-            <a:r>
-              <a:rPr lang="en-US" dirty="0" err="1"/>
-              <a:t>abc</a:t>
-            </a:r>
-            <a:r>
-              <a:rPr lang="en-US" dirty="0"/>
-              <a:t>”);  </a:t>
-            </a:r>
-            <a:r>
-              <a:rPr lang="en-US" dirty="0" err="1"/>
-              <a:t>sb.append</a:t>
-            </a:r>
-            <a:r>
-              <a:rPr lang="en-US" dirty="0"/>
-              <a:t>(“</a:t>
-            </a:r>
-            <a:r>
-              <a:rPr lang="en-US" dirty="0" err="1"/>
-              <a:t>abc</a:t>
-            </a:r>
-            <a:r>
-              <a:rPr lang="en-US" dirty="0"/>
-              <a:t>”);</a:t>
-            </a:r>
-          </a:p>
-          <a:p>
-            <a:pPr lvl="2"/>
-            <a:r>
-              <a:rPr lang="en-US" dirty="0" err="1"/>
-              <a:t>sb.append</a:t>
-            </a:r>
-            <a:r>
-              <a:rPr lang="en-US" dirty="0"/>
-              <a:t>(“</a:t>
-            </a:r>
-            <a:r>
-              <a:rPr lang="en-US" dirty="0" err="1"/>
-              <a:t>abc</a:t>
-            </a:r>
-            <a:r>
-              <a:rPr lang="en-US" dirty="0"/>
-              <a:t>”);	</a:t>
-            </a:r>
-            <a:r>
-              <a:rPr lang="en-US" dirty="0" err="1"/>
-              <a:t>sb.reverse</a:t>
-            </a:r>
-            <a:r>
-              <a:rPr lang="en-US" dirty="0"/>
-              <a:t>();   </a:t>
-            </a:r>
-            <a:r>
-              <a:rPr lang="en-US" dirty="0" err="1"/>
-              <a:t>sb.delete</a:t>
-            </a:r>
-            <a:r>
-              <a:rPr lang="en-US" dirty="0"/>
-              <a:t>(</a:t>
-            </a:r>
-            <a:r>
-              <a:rPr lang="en-US" dirty="0" err="1"/>
-              <a:t>startIndex</a:t>
-            </a:r>
-            <a:r>
-              <a:rPr lang="en-US" dirty="0"/>
-              <a:t>, </a:t>
-            </a:r>
-            <a:r>
-              <a:rPr lang="en-US" dirty="0" err="1"/>
-              <a:t>endIndex</a:t>
-            </a:r>
-            <a:r>
-              <a:rPr lang="en-US" dirty="0"/>
-              <a:t>)</a:t>
-            </a:r>
-          </a:p>
-          <a:p>
-            <a:pPr lvl="2"/>
-            <a:r>
-              <a:rPr lang="en-US" dirty="0"/>
-              <a:t>Mutable</a:t>
-            </a:r>
-          </a:p>
-          <a:p>
-            <a:pPr lvl="2"/>
-            <a:r>
-              <a:rPr lang="en-US" dirty="0" err="1"/>
-              <a:t>toString</a:t>
-            </a:r>
-            <a:r>
-              <a:rPr lang="en-US" dirty="0"/>
-              <a:t>()</a:t>
-            </a:r>
-          </a:p>
-          <a:p>
-            <a:pPr lvl="2"/>
-            <a:r>
-              <a:rPr lang="en-US" dirty="0"/>
-              <a:t>Synchronized vs non-synchronized</a:t>
-            </a:r>
-          </a:p>
-          <a:p>
-            <a:r>
-              <a:rPr lang="en-US" dirty="0" err="1"/>
-              <a:t>StringTokenizer</a:t>
-            </a:r>
-            <a:endParaRPr lang="en-US" dirty="0"/>
-          </a:p>
-          <a:p>
-            <a:pPr marL="457200" lvl="1" indent="0">
+            <a:pPr marL="0" indent="0">
+              <a:lnSpc>
+                <a:spcPct val="90000"/>
+              </a:lnSpc>
               <a:buNone/>
             </a:pPr>
-            <a:endParaRPr lang="en-US" dirty="0"/>
+            <a:r>
+              <a:rPr lang="en-US" b="1" dirty="0">
+                <a:solidFill>
+                  <a:schemeClr val="bg1"/>
+                </a:solidFill>
+              </a:rPr>
+              <a:t>Constant pool is a heap memory for literal string value</a:t>
+            </a:r>
+          </a:p>
+          <a:p>
+            <a:pPr marL="0" indent="0">
+              <a:lnSpc>
+                <a:spcPct val="90000"/>
+              </a:lnSpc>
+              <a:buNone/>
+            </a:pPr>
+            <a:r>
+              <a:rPr lang="en-US" b="1" dirty="0">
+                <a:solidFill>
+                  <a:schemeClr val="bg1"/>
+                </a:solidFill>
+              </a:rPr>
+              <a:t>New String will create a new heap memory</a:t>
+            </a:r>
+          </a:p>
+          <a:p>
+            <a:pPr marL="0" indent="0">
+              <a:lnSpc>
+                <a:spcPct val="90000"/>
+              </a:lnSpc>
+              <a:buNone/>
+            </a:pPr>
+            <a:endParaRPr lang="en-US" b="1" dirty="0">
+              <a:solidFill>
+                <a:schemeClr val="bg1"/>
+              </a:solidFill>
+            </a:endParaRPr>
+          </a:p>
+          <a:p>
+            <a:pPr marL="0" indent="0">
+              <a:lnSpc>
+                <a:spcPct val="90000"/>
+              </a:lnSpc>
+              <a:buNone/>
+            </a:pPr>
+            <a:r>
+              <a:rPr lang="en-US" dirty="0">
+                <a:solidFill>
+                  <a:schemeClr val="bg1"/>
+                </a:solidFill>
+              </a:rPr>
+              <a:t>String employee = “Edgar Allen Poe”</a:t>
+            </a:r>
+          </a:p>
+          <a:p>
+            <a:pPr marL="0" indent="0">
+              <a:lnSpc>
+                <a:spcPct val="90000"/>
+              </a:lnSpc>
+              <a:buNone/>
+            </a:pPr>
+            <a:r>
+              <a:rPr lang="en-US" dirty="0">
+                <a:solidFill>
+                  <a:schemeClr val="bg1"/>
+                </a:solidFill>
+              </a:rPr>
+              <a:t>String employee2 = “Edgar Allen Poe”</a:t>
+            </a:r>
+          </a:p>
+          <a:p>
+            <a:pPr marL="0" indent="0">
+              <a:lnSpc>
+                <a:spcPct val="90000"/>
+              </a:lnSpc>
+              <a:buNone/>
+            </a:pPr>
+            <a:r>
+              <a:rPr lang="en-US" dirty="0">
+                <a:solidFill>
+                  <a:schemeClr val="bg1"/>
+                </a:solidFill>
+              </a:rPr>
+              <a:t>String employee3 = new String(“Edgar Allen Poe”)</a:t>
+            </a:r>
           </a:p>
         </p:txBody>
       </p:sp>
@@ -9856,7 +9910,7 @@
           <p:cNvPr id="4" name="Picture 3">
             <a:extLst>
               <a:ext uri="{FF2B5EF4-FFF2-40B4-BE49-F238E27FC236}">
-                <a16:creationId xmlns:a16="http://schemas.microsoft.com/office/drawing/2014/main" id="{8283779D-E8E2-4D97-B6FE-8DC1B6FE49AD}"/>
+                <a16:creationId xmlns:a16="http://schemas.microsoft.com/office/drawing/2014/main" id="{C736B298-EB6D-4B7E-9228-71C933182722}"/>
               </a:ext>
             </a:extLst>
           </p:cNvPr>
@@ -9873,18 +9927,83 @@
         </p:blipFill>
         <p:spPr>
           <a:xfrm>
-            <a:off x="1083365" y="5430285"/>
-            <a:ext cx="8534400" cy="1304925"/>
+            <a:off x="6096001" y="1834687"/>
+            <a:ext cx="5143500" cy="3176110"/>
           </a:xfrm>
           <a:prstGeom prst="rect">
             <a:avLst/>
           </a:prstGeom>
         </p:spPr>
       </p:pic>
+      <p:sp>
+        <p:nvSpPr>
+          <p:cNvPr id="15" name="Isosceles Triangle 14">
+            <a:extLst>
+              <a:ext uri="{FF2B5EF4-FFF2-40B4-BE49-F238E27FC236}">
+                <a16:creationId xmlns:a16="http://schemas.microsoft.com/office/drawing/2014/main" id="{B2205F6E-03C6-4E92-877C-E2482F6599AA}"/>
+              </a:ext>
+              <a:ext uri="{C183D7F6-B498-43B3-948B-1728B52AA6E4}">
+                <adec:decorative xmlns:adec="http://schemas.microsoft.com/office/drawing/2017/decorative" val="1"/>
+              </a:ext>
+            </a:extLst>
+          </p:cNvPr>
+          <p:cNvSpPr>
+            <a:spLocks noGrp="1" noRot="1" noChangeAspect="1" noMove="1" noResize="1" noEditPoints="1" noAdjustHandles="1" noChangeArrowheads="1" noChangeShapeType="1" noTextEdit="1"/>
+          </p:cNvSpPr>
+          <p:nvPr>
+            <p:extLst>
+              <p:ext uri="{386F3935-93C4-4BCD-93E2-E3B085C9AB24}">
+                <p16:designElem xmlns:p16="http://schemas.microsoft.com/office/powerpoint/2015/main" val="1"/>
+              </p:ext>
+            </p:extLst>
+          </p:nvPr>
+        </p:nvSpPr>
+        <p:spPr>
+          <a:xfrm flipH="1">
+            <a:off x="11755696" y="4013200"/>
+            <a:ext cx="448733" cy="2844800"/>
+          </a:xfrm>
+          <a:prstGeom prst="triangle">
+            <a:avLst>
+              <a:gd name="adj" fmla="val 0"/>
+            </a:avLst>
+          </a:prstGeom>
+          <a:solidFill>
+            <a:schemeClr val="accent1">
+              <a:alpha val="85000"/>
+            </a:schemeClr>
+          </a:solidFill>
+          <a:ln>
+            <a:noFill/>
+          </a:ln>
+          <a:effectLst/>
+        </p:spPr>
+        <p:style>
+          <a:lnRef idx="1">
+            <a:schemeClr val="accent1"/>
+          </a:lnRef>
+          <a:fillRef idx="3">
+            <a:schemeClr val="accent1"/>
+          </a:fillRef>
+          <a:effectRef idx="2">
+            <a:schemeClr val="accent1"/>
+          </a:effectRef>
+          <a:fontRef idx="minor">
+            <a:schemeClr val="lt1"/>
+          </a:fontRef>
+        </p:style>
+        <p:txBody>
+          <a:bodyPr/>
+          <a:lstStyle/>
+          <a:p>
+            <a:endParaRPr lang="en-US" dirty="0"/>
+          </a:p>
+        </p:txBody>
+      </p:sp>
     </p:spTree>
     <p:extLst>
       <p:ext uri="{BB962C8B-B14F-4D97-AF65-F5344CB8AC3E}">
-        <p14:creationId xmlns:p14="http://schemas.microsoft.com/office/powerpoint/2010/main" val="1715871320"/>
+        <p14:creationId xmlns:p14="http://schemas.microsoft.com/office/powerpoint/2010/main" val="2070597796"/>
       </p:ext>
     </p:extLst>
   </p:cSld>
@@ -13204,14 +13323,6 @@
 <file path=ppt/slides/slide3.xml><?xml version="1.0" encoding="utf-8"?>
 <p:sld xmlns:a="http://schemas.openxmlformats.org/drawingml/2006/main" xmlns:r="http://schemas.openxmlformats.org/officeDocument/2006/relationships" xmlns:p="http://schemas.openxmlformats.org/presentationml/2006/main">
   <p:cSld>
-    <p:bg>
-      <p:bgPr>
-        <a:solidFill>
-          <a:schemeClr val="bg1"/>
-        </a:solidFill>
-        <a:effectLst/>
-      </p:bgPr>
-    </p:bg>
     <p:spTree>
       <p:nvGrpSpPr>
         <p:cNvPr id="1" name=""/>
@@ -13226,348 +13337,310 @@
           <a:chExt cx="0" cy="0"/>
         </a:xfrm>
       </p:grpSpPr>
-      <p:sp useBgFill="1">
-        <p:nvSpPr>
-          <p:cNvPr id="9" name="Rectangle 8">
+      <p:sp>
+        <p:nvSpPr>
+          <p:cNvPr id="2" name="Title 1">
             <a:extLst>
               <a:ext uri="{FF2B5EF4-FFF2-40B4-BE49-F238E27FC236}">
-                <a16:creationId xmlns:a16="http://schemas.microsoft.com/office/drawing/2014/main" id="{9F4444CE-BC8D-4D61-B303-4C05614E62AB}"/>
-              </a:ext>
-              <a:ext uri="{C183D7F6-B498-43B3-948B-1728B52AA6E4}">
-                <adec:decorative xmlns:adec="http://schemas.microsoft.com/office/drawing/2017/decorative" val="1"/>
+                <a16:creationId xmlns:a16="http://schemas.microsoft.com/office/drawing/2014/main" id="{FA2E0990-E711-408F-9E84-4958CDBA1A70}"/>
               </a:ext>
             </a:extLst>
           </p:cNvPr>
           <p:cNvSpPr>
-            <a:spLocks noGrp="1" noRot="1" noChangeAspect="1" noMove="1" noResize="1" noEditPoints="1" noAdjustHandles="1" noChangeArrowheads="1" noChangeShapeType="1" noTextEdit="1"/>
-          </p:cNvSpPr>
-          <p:nvPr>
-            <p:extLst>
-              <p:ext uri="{386F3935-93C4-4BCD-93E2-E3B085C9AB24}">
-                <p16:designElem xmlns:p16="http://schemas.microsoft.com/office/powerpoint/2015/main" val="1"/>
-              </p:ext>
-            </p:extLst>
+            <a:spLocks noGrp="1"/>
+          </p:cNvSpPr>
+          <p:nvPr>
+            <p:ph type="title"/>
           </p:nvPr>
         </p:nvSpPr>
         <p:spPr>
           <a:xfrm>
-            <a:off x="0" y="0"/>
-            <a:ext cx="12192000" cy="6858000"/>
-          </a:xfrm>
-          <a:prstGeom prst="rect">
-            <a:avLst/>
-          </a:prstGeom>
-          <a:ln>
-            <a:noFill/>
-          </a:ln>
-        </p:spPr>
-        <p:style>
-          <a:lnRef idx="2">
-            <a:schemeClr val="accent1">
-              <a:shade val="50000"/>
-            </a:schemeClr>
-          </a:lnRef>
-          <a:fillRef idx="1">
-            <a:schemeClr val="accent1"/>
-          </a:fillRef>
-          <a:effectRef idx="0">
-            <a:schemeClr val="accent1"/>
-          </a:effectRef>
-          <a:fontRef idx="minor">
-            <a:schemeClr val="lt1"/>
-          </a:fontRef>
-        </p:style>
-        <p:txBody>
-          <a:bodyPr rtlCol="0" anchor="ctr"/>
-          <a:lstStyle/>
-          <a:p>
-            <a:pPr algn="ctr"/>
-            <a:endParaRPr lang="en-US"/>
-          </a:p>
-        </p:txBody>
-      </p:sp>
-      <p:sp>
-        <p:nvSpPr>
-          <p:cNvPr id="11" name="Rectangle 10">
+            <a:off x="677334" y="497150"/>
+            <a:ext cx="8596668" cy="722050"/>
+          </a:xfrm>
+        </p:spPr>
+        <p:txBody>
+          <a:bodyPr>
+            <a:normAutofit/>
+          </a:bodyPr>
+          <a:lstStyle/>
+          <a:p>
+            <a:r>
+              <a:rPr lang="en-US" dirty="0"/>
+              <a:t>Topic : String</a:t>
+            </a:r>
+          </a:p>
+        </p:txBody>
+      </p:sp>
+      <p:sp>
+        <p:nvSpPr>
+          <p:cNvPr id="3" name="Content Placeholder 2">
             <a:extLst>
               <a:ext uri="{FF2B5EF4-FFF2-40B4-BE49-F238E27FC236}">
-                <a16:creationId xmlns:a16="http://schemas.microsoft.com/office/drawing/2014/main" id="{62423CA5-E2E1-4789-B759-9906C1C94063}"/>
-              </a:ext>
-              <a:ext uri="{C183D7F6-B498-43B3-948B-1728B52AA6E4}">
-                <adec:decorative xmlns:adec="http://schemas.microsoft.com/office/drawing/2017/decorative" val="1"/>
+                <a16:creationId xmlns:a16="http://schemas.microsoft.com/office/drawing/2014/main" id="{7B367CF5-CC5D-4D50-9011-59452E7AA9B7}"/>
               </a:ext>
             </a:extLst>
           </p:cNvPr>
           <p:cNvSpPr>
-            <a:spLocks noGrp="1" noRot="1" noChangeAspect="1" noMove="1" noResize="1" noEditPoints="1" noAdjustHandles="1" noChangeArrowheads="1" noChangeShapeType="1" noTextEdit="1"/>
-          </p:cNvSpPr>
-          <p:nvPr>
-            <p:extLst>
-              <p:ext uri="{386F3935-93C4-4BCD-93E2-E3B085C9AB24}">
-                <p16:designElem xmlns:p16="http://schemas.microsoft.com/office/powerpoint/2015/main" val="1"/>
-              </p:ext>
-            </p:extLst>
+            <a:spLocks noGrp="1"/>
+          </p:cNvSpPr>
+          <p:nvPr>
+            <p:ph idx="1"/>
           </p:nvPr>
         </p:nvSpPr>
         <p:spPr>
           <a:xfrm>
-            <a:off x="0" y="-3"/>
-            <a:ext cx="4660126" cy="6858000"/>
-          </a:xfrm>
-          <a:prstGeom prst="rect">
-            <a:avLst/>
-          </a:prstGeom>
-          <a:solidFill>
-            <a:schemeClr val="tx2"/>
-          </a:solidFill>
-          <a:ln>
-            <a:noFill/>
-          </a:ln>
-          <a:effectLst/>
-        </p:spPr>
-        <p:style>
-          <a:lnRef idx="1">
-            <a:schemeClr val="accent1"/>
-          </a:lnRef>
-          <a:fillRef idx="3">
-            <a:schemeClr val="accent1"/>
-          </a:fillRef>
-          <a:effectRef idx="2">
-            <a:schemeClr val="accent1"/>
-          </a:effectRef>
-          <a:fontRef idx="minor">
-            <a:schemeClr val="lt1"/>
-          </a:fontRef>
-        </p:style>
+            <a:off x="677334" y="1219200"/>
+            <a:ext cx="10837332" cy="5364480"/>
+          </a:xfrm>
+        </p:spPr>
         <p:txBody>
           <a:bodyPr/>
           <a:lstStyle/>
           <a:p>
-            <a:endParaRPr lang="en-US"/>
-          </a:p>
-        </p:txBody>
-      </p:sp>
-      <p:sp>
-        <p:nvSpPr>
-          <p:cNvPr id="13" name="Isosceles Triangle 12">
-            <a:extLst>
-              <a:ext uri="{FF2B5EF4-FFF2-40B4-BE49-F238E27FC236}">
-                <a16:creationId xmlns:a16="http://schemas.microsoft.com/office/drawing/2014/main" id="{73772B81-181F-48B7-8826-4D9686D15DF5}"/>
-              </a:ext>
-              <a:ext uri="{C183D7F6-B498-43B3-948B-1728B52AA6E4}">
-                <adec:decorative xmlns:adec="http://schemas.microsoft.com/office/drawing/2017/decorative" val="1"/>
-              </a:ext>
-            </a:extLst>
-          </p:cNvPr>
-          <p:cNvSpPr>
-            <a:spLocks noGrp="1" noRot="1" noChangeAspect="1" noMove="1" noResize="1" noEditPoints="1" noAdjustHandles="1" noChangeArrowheads="1" noChangeShapeType="1" noTextEdit="1"/>
-          </p:cNvSpPr>
-          <p:nvPr>
-            <p:extLst>
-              <p:ext uri="{386F3935-93C4-4BCD-93E2-E3B085C9AB24}">
-                <p16:designElem xmlns:p16="http://schemas.microsoft.com/office/powerpoint/2015/main" val="1"/>
-              </p:ext>
-            </p:extLst>
-          </p:nvPr>
-        </p:nvSpPr>
-        <p:spPr>
-          <a:xfrm rot="10800000">
-            <a:off x="4660127" y="-3"/>
-            <a:ext cx="1056745" cy="6858001"/>
-          </a:xfrm>
-          <a:prstGeom prst="triangle">
-            <a:avLst>
-              <a:gd name="adj" fmla="val 100000"/>
-            </a:avLst>
-          </a:prstGeom>
-          <a:solidFill>
-            <a:schemeClr val="tx2"/>
-          </a:solidFill>
-          <a:ln>
-            <a:noFill/>
-          </a:ln>
-          <a:effectLst/>
-        </p:spPr>
-        <p:style>
-          <a:lnRef idx="1">
-            <a:schemeClr val="accent1"/>
-          </a:lnRef>
-          <a:fillRef idx="3">
-            <a:schemeClr val="accent1"/>
-          </a:fillRef>
-          <a:effectRef idx="2">
-            <a:schemeClr val="accent1"/>
-          </a:effectRef>
-          <a:fontRef idx="minor">
-            <a:schemeClr val="lt1"/>
-          </a:fontRef>
-        </p:style>
-        <p:txBody>
-          <a:bodyPr/>
-          <a:lstStyle/>
-          <a:p>
+            <a:r>
+              <a:rPr lang="en-US" dirty="0"/>
+              <a:t>String is immutable</a:t>
+            </a:r>
+          </a:p>
+          <a:p>
+            <a:pPr lvl="1"/>
+            <a:r>
+              <a:rPr lang="en-US" dirty="0"/>
+              <a:t>String </a:t>
+            </a:r>
+            <a:r>
+              <a:rPr lang="en-US" i="1" dirty="0"/>
+              <a:t>str1</a:t>
+            </a:r>
+            <a:r>
+              <a:rPr lang="en-US" dirty="0"/>
+              <a:t> = “</a:t>
+            </a:r>
+            <a:r>
+              <a:rPr lang="en-US" dirty="0" err="1"/>
+              <a:t>abc</a:t>
+            </a:r>
+            <a:r>
+              <a:rPr lang="en-US" dirty="0"/>
+              <a:t>”;   String </a:t>
+            </a:r>
+            <a:r>
+              <a:rPr lang="en-US" i="1" dirty="0"/>
+              <a:t>str2</a:t>
+            </a:r>
+            <a:r>
+              <a:rPr lang="en-US" dirty="0"/>
+              <a:t> = new String(“</a:t>
+            </a:r>
+            <a:r>
+              <a:rPr lang="en-US" dirty="0" err="1"/>
+              <a:t>abc</a:t>
+            </a:r>
+            <a:r>
+              <a:rPr lang="en-US" dirty="0"/>
+              <a:t>”);  String </a:t>
+            </a:r>
+            <a:r>
+              <a:rPr lang="en-US" i="1" dirty="0"/>
+              <a:t>str3</a:t>
+            </a:r>
+            <a:r>
+              <a:rPr lang="en-US" dirty="0"/>
+              <a:t> = “</a:t>
+            </a:r>
+            <a:r>
+              <a:rPr lang="en-US" dirty="0" err="1"/>
+              <a:t>abc</a:t>
+            </a:r>
+            <a:r>
+              <a:rPr lang="en-US" dirty="0"/>
+              <a:t>”;  String </a:t>
+            </a:r>
+            <a:r>
+              <a:rPr lang="en-US" i="1" dirty="0"/>
+              <a:t>str4</a:t>
+            </a:r>
+            <a:r>
+              <a:rPr lang="en-US" dirty="0"/>
+              <a:t> = str1 + str2;</a:t>
+            </a:r>
+          </a:p>
+          <a:p>
+            <a:pPr lvl="2"/>
+            <a:r>
+              <a:rPr lang="en-US" dirty="0"/>
+              <a:t>Reference vs Value:	 1) str1 == str2 ?    2) Str1.equals(str2) ?       3) str1.compareTo(str2)</a:t>
+            </a:r>
+          </a:p>
+          <a:p>
+            <a:pPr lvl="2"/>
+            <a:r>
+              <a:rPr lang="en-US" dirty="0"/>
+              <a:t>Constant Pool:	How many objects ? (</a:t>
+            </a:r>
+            <a:r>
+              <a:rPr lang="en-US" altLang="zh-CN" dirty="0"/>
+              <a:t>3</a:t>
+            </a:r>
+            <a:r>
+              <a:rPr lang="en-US" dirty="0"/>
+              <a:t>)</a:t>
+            </a:r>
+          </a:p>
+          <a:p>
+            <a:pPr lvl="2"/>
+            <a:r>
+              <a:rPr lang="en-US" dirty="0"/>
+              <a:t>Built-in Functions:	</a:t>
+            </a:r>
+            <a:r>
+              <a:rPr lang="en-US" dirty="0" err="1"/>
+              <a:t>charAt</a:t>
+            </a:r>
+            <a:r>
+              <a:rPr lang="en-US" dirty="0"/>
+              <a:t>(), length(), substring(), contains(), equals(), </a:t>
+            </a:r>
+            <a:r>
+              <a:rPr lang="en-US" dirty="0" err="1"/>
+              <a:t>toUpperCase</a:t>
+            </a:r>
+            <a:r>
+              <a:rPr lang="en-US" dirty="0"/>
+              <a:t>()</a:t>
+            </a:r>
+          </a:p>
+          <a:p>
+            <a:r>
+              <a:rPr lang="en-US" dirty="0"/>
+              <a:t>StringBuilder &amp; </a:t>
+            </a:r>
+            <a:r>
+              <a:rPr lang="en-US" dirty="0" err="1"/>
+              <a:t>StringBuffer</a:t>
+            </a:r>
             <a:endParaRPr lang="en-US" dirty="0"/>
           </a:p>
-        </p:txBody>
-      </p:sp>
-      <p:sp>
-        <p:nvSpPr>
-          <p:cNvPr id="2" name="Title 1">
-            <a:extLst>
-              <a:ext uri="{FF2B5EF4-FFF2-40B4-BE49-F238E27FC236}">
-                <a16:creationId xmlns:a16="http://schemas.microsoft.com/office/drawing/2014/main" id="{24211E32-97D5-4E6C-B377-61979D8B12B7}"/>
-              </a:ext>
-            </a:extLst>
-          </p:cNvPr>
-          <p:cNvSpPr>
-            <a:spLocks noGrp="1"/>
-          </p:cNvSpPr>
-          <p:nvPr>
-            <p:ph type="title"/>
-          </p:nvPr>
-        </p:nvSpPr>
-        <p:spPr>
-          <a:xfrm>
-            <a:off x="673754" y="643467"/>
-            <a:ext cx="4203045" cy="1375608"/>
-          </a:xfrm>
-        </p:spPr>
-        <p:txBody>
-          <a:bodyPr anchor="ctr">
-            <a:normAutofit/>
-          </a:bodyPr>
-          <a:lstStyle/>
-          <a:p>
-            <a:r>
-              <a:rPr lang="en-US">
-                <a:solidFill>
-                  <a:schemeClr val="bg1"/>
-                </a:solidFill>
-              </a:rPr>
-              <a:t>Topic: String constant pool</a:t>
-            </a:r>
-          </a:p>
-        </p:txBody>
-      </p:sp>
-      <p:sp>
-        <p:nvSpPr>
-          <p:cNvPr id="3" name="Content Placeholder 2">
-            <a:extLst>
-              <a:ext uri="{FF2B5EF4-FFF2-40B4-BE49-F238E27FC236}">
-                <a16:creationId xmlns:a16="http://schemas.microsoft.com/office/drawing/2014/main" id="{B37C9C8A-EF95-4585-82ED-353B4AD1DF6C}"/>
-              </a:ext>
-            </a:extLst>
-          </p:cNvPr>
-          <p:cNvSpPr>
-            <a:spLocks noGrp="1"/>
-          </p:cNvSpPr>
-          <p:nvPr>
-            <p:ph idx="1"/>
-          </p:nvPr>
-        </p:nvSpPr>
-        <p:spPr>
-          <a:xfrm>
-            <a:off x="673754" y="2160590"/>
-            <a:ext cx="3973943" cy="3440110"/>
-          </a:xfrm>
-        </p:spPr>
-        <p:txBody>
-          <a:bodyPr>
-            <a:normAutofit/>
-          </a:bodyPr>
-          <a:lstStyle/>
-          <a:p>
-            <a:pPr marL="0" indent="0">
-              <a:lnSpc>
-                <a:spcPct val="90000"/>
-              </a:lnSpc>
+          <a:p>
+            <a:pPr lvl="1"/>
+            <a:r>
+              <a:rPr lang="en-US" dirty="0"/>
+              <a:t>StringBuilder sb = new StringBuilder(“</a:t>
+            </a:r>
+            <a:r>
+              <a:rPr lang="en-US" dirty="0" err="1"/>
+              <a:t>abc</a:t>
+            </a:r>
+            <a:r>
+              <a:rPr lang="en-US" dirty="0"/>
+              <a:t>”);  </a:t>
+            </a:r>
+            <a:r>
+              <a:rPr lang="en-US" dirty="0" err="1"/>
+              <a:t>sb.append</a:t>
+            </a:r>
+            <a:r>
+              <a:rPr lang="en-US" dirty="0"/>
+              <a:t>(“</a:t>
+            </a:r>
+            <a:r>
+              <a:rPr lang="en-US" dirty="0" err="1"/>
+              <a:t>abc</a:t>
+            </a:r>
+            <a:r>
+              <a:rPr lang="en-US" dirty="0"/>
+              <a:t>”);</a:t>
+            </a:r>
+          </a:p>
+          <a:p>
+            <a:pPr lvl="2"/>
+            <a:r>
+              <a:rPr lang="en-US" dirty="0" err="1"/>
+              <a:t>sb.append</a:t>
+            </a:r>
+            <a:r>
+              <a:rPr lang="en-US" dirty="0"/>
+              <a:t>(“</a:t>
+            </a:r>
+            <a:r>
+              <a:rPr lang="en-US" dirty="0" err="1"/>
+              <a:t>abc</a:t>
+            </a:r>
+            <a:r>
+              <a:rPr lang="en-US" dirty="0"/>
+              <a:t>”);	</a:t>
+            </a:r>
+            <a:r>
+              <a:rPr lang="en-US" dirty="0" err="1"/>
+              <a:t>sb.reverse</a:t>
+            </a:r>
+            <a:r>
+              <a:rPr lang="en-US" dirty="0"/>
+              <a:t>();   </a:t>
+            </a:r>
+            <a:r>
+              <a:rPr lang="en-US" dirty="0" err="1"/>
+              <a:t>sb.delete</a:t>
+            </a:r>
+            <a:r>
+              <a:rPr lang="en-US" dirty="0"/>
+              <a:t>(</a:t>
+            </a:r>
+            <a:r>
+              <a:rPr lang="en-US" dirty="0" err="1"/>
+              <a:t>startIndex</a:t>
+            </a:r>
+            <a:r>
+              <a:rPr lang="en-US" dirty="0"/>
+              <a:t>, </a:t>
+            </a:r>
+            <a:r>
+              <a:rPr lang="en-US" dirty="0" err="1"/>
+              <a:t>endIndex</a:t>
+            </a:r>
+            <a:r>
+              <a:rPr lang="en-US" dirty="0"/>
+              <a:t>)</a:t>
+            </a:r>
+          </a:p>
+          <a:p>
+            <a:pPr lvl="2"/>
+            <a:r>
+              <a:rPr lang="en-US" dirty="0"/>
+              <a:t>Mutable</a:t>
+            </a:r>
+          </a:p>
+          <a:p>
+            <a:pPr lvl="2"/>
+            <a:r>
+              <a:rPr lang="en-US" dirty="0" err="1"/>
+              <a:t>toString</a:t>
+            </a:r>
+            <a:r>
+              <a:rPr lang="en-US" dirty="0"/>
+              <a:t>()</a:t>
+            </a:r>
+          </a:p>
+          <a:p>
+            <a:pPr lvl="2"/>
+            <a:r>
+              <a:rPr lang="en-US" dirty="0"/>
+              <a:t>Synchronized vs non-synchronized</a:t>
+            </a:r>
+          </a:p>
+          <a:p>
+            <a:r>
+              <a:rPr lang="en-US" dirty="0" err="1"/>
+              <a:t>StringTokenizer</a:t>
+            </a:r>
+            <a:endParaRPr lang="en-US" dirty="0"/>
+          </a:p>
+          <a:p>
+            <a:pPr marL="457200" lvl="1" indent="0">
               <a:buNone/>
             </a:pPr>
-            <a:r>
-              <a:rPr lang="en-US" b="1" dirty="0">
-                <a:solidFill>
-                  <a:schemeClr val="bg1"/>
-                </a:solidFill>
-              </a:rPr>
-              <a:t>Constant pool is a heap memory for literal string value</a:t>
-            </a:r>
-          </a:p>
-          <a:p>
-            <a:pPr marL="0" indent="0">
-              <a:lnSpc>
-                <a:spcPct val="90000"/>
-              </a:lnSpc>
-              <a:buNone/>
-            </a:pPr>
-            <a:r>
-              <a:rPr lang="en-US" b="1" dirty="0">
-                <a:solidFill>
-                  <a:schemeClr val="bg1"/>
-                </a:solidFill>
-              </a:rPr>
-              <a:t>New String will create a new heap memory</a:t>
-            </a:r>
-          </a:p>
-          <a:p>
-            <a:pPr marL="0" indent="0">
-              <a:lnSpc>
-                <a:spcPct val="90000"/>
-              </a:lnSpc>
-              <a:buNone/>
-            </a:pPr>
-            <a:endParaRPr lang="en-US" b="1" dirty="0">
-              <a:solidFill>
-                <a:schemeClr val="bg1"/>
-              </a:solidFill>
-            </a:endParaRPr>
-          </a:p>
-          <a:p>
-            <a:pPr marL="0" indent="0">
-              <a:lnSpc>
-                <a:spcPct val="90000"/>
-              </a:lnSpc>
-              <a:buNone/>
-            </a:pPr>
-            <a:r>
-              <a:rPr lang="en-US" dirty="0">
-                <a:solidFill>
-                  <a:schemeClr val="bg1"/>
-                </a:solidFill>
-              </a:rPr>
-              <a:t>String employee = “Edgar Allen Poe”</a:t>
-            </a:r>
-          </a:p>
-          <a:p>
-            <a:pPr marL="0" indent="0">
-              <a:lnSpc>
-                <a:spcPct val="90000"/>
-              </a:lnSpc>
-              <a:buNone/>
-            </a:pPr>
-            <a:r>
-              <a:rPr lang="en-US" dirty="0">
-                <a:solidFill>
-                  <a:schemeClr val="bg1"/>
-                </a:solidFill>
-              </a:rPr>
-              <a:t>String employee2 = “Edgar Allen Poe”</a:t>
-            </a:r>
-          </a:p>
-          <a:p>
-            <a:pPr marL="0" indent="0">
-              <a:lnSpc>
-                <a:spcPct val="90000"/>
-              </a:lnSpc>
-              <a:buNone/>
-            </a:pPr>
-            <a:r>
-              <a:rPr lang="en-US" dirty="0">
-                <a:solidFill>
-                  <a:schemeClr val="bg1"/>
-                </a:solidFill>
-              </a:rPr>
-              <a:t>String employee3 = new String(“Edgar Allen Poe”)</a:t>
-            </a:r>
+            <a:endParaRPr lang="en-US" dirty="0"/>
           </a:p>
         </p:txBody>
       </p:sp>
@@ -13576,7 +13649,7 @@
           <p:cNvPr id="4" name="Picture 3">
             <a:extLst>
               <a:ext uri="{FF2B5EF4-FFF2-40B4-BE49-F238E27FC236}">
-                <a16:creationId xmlns:a16="http://schemas.microsoft.com/office/drawing/2014/main" id="{C736B298-EB6D-4B7E-9228-71C933182722}"/>
+                <a16:creationId xmlns:a16="http://schemas.microsoft.com/office/drawing/2014/main" id="{8283779D-E8E2-4D97-B6FE-8DC1B6FE49AD}"/>
               </a:ext>
             </a:extLst>
           </p:cNvPr>
@@ -13593,83 +13666,18 @@
         </p:blipFill>
         <p:spPr>
           <a:xfrm>
-            <a:off x="6096001" y="1834687"/>
-            <a:ext cx="5143500" cy="3176110"/>
+            <a:off x="1083365" y="5430285"/>
+            <a:ext cx="8534400" cy="1304925"/>
           </a:xfrm>
           <a:prstGeom prst="rect">
             <a:avLst/>
           </a:prstGeom>
         </p:spPr>
       </p:pic>
-      <p:sp>
-        <p:nvSpPr>
-          <p:cNvPr id="15" name="Isosceles Triangle 14">
-            <a:extLst>
-              <a:ext uri="{FF2B5EF4-FFF2-40B4-BE49-F238E27FC236}">
-                <a16:creationId xmlns:a16="http://schemas.microsoft.com/office/drawing/2014/main" id="{B2205F6E-03C6-4E92-877C-E2482F6599AA}"/>
-              </a:ext>
-              <a:ext uri="{C183D7F6-B498-43B3-948B-1728B52AA6E4}">
-                <adec:decorative xmlns:adec="http://schemas.microsoft.com/office/drawing/2017/decorative" val="1"/>
-              </a:ext>
-            </a:extLst>
-          </p:cNvPr>
-          <p:cNvSpPr>
-            <a:spLocks noGrp="1" noRot="1" noChangeAspect="1" noMove="1" noResize="1" noEditPoints="1" noAdjustHandles="1" noChangeArrowheads="1" noChangeShapeType="1" noTextEdit="1"/>
-          </p:cNvSpPr>
-          <p:nvPr>
-            <p:extLst>
-              <p:ext uri="{386F3935-93C4-4BCD-93E2-E3B085C9AB24}">
-                <p16:designElem xmlns:p16="http://schemas.microsoft.com/office/powerpoint/2015/main" val="1"/>
-              </p:ext>
-            </p:extLst>
-          </p:nvPr>
-        </p:nvSpPr>
-        <p:spPr>
-          <a:xfrm flipH="1">
-            <a:off x="11755696" y="4013200"/>
-            <a:ext cx="448733" cy="2844800"/>
-          </a:xfrm>
-          <a:prstGeom prst="triangle">
-            <a:avLst>
-              <a:gd name="adj" fmla="val 0"/>
-            </a:avLst>
-          </a:prstGeom>
-          <a:solidFill>
-            <a:schemeClr val="accent1">
-              <a:alpha val="85000"/>
-            </a:schemeClr>
-          </a:solidFill>
-          <a:ln>
-            <a:noFill/>
-          </a:ln>
-          <a:effectLst/>
-        </p:spPr>
-        <p:style>
-          <a:lnRef idx="1">
-            <a:schemeClr val="accent1"/>
-          </a:lnRef>
-          <a:fillRef idx="3">
-            <a:schemeClr val="accent1"/>
-          </a:fillRef>
-          <a:effectRef idx="2">
-            <a:schemeClr val="accent1"/>
-          </a:effectRef>
-          <a:fontRef idx="minor">
-            <a:schemeClr val="lt1"/>
-          </a:fontRef>
-        </p:style>
-        <p:txBody>
-          <a:bodyPr/>
-          <a:lstStyle/>
-          <a:p>
-            <a:endParaRPr lang="en-US" dirty="0"/>
-          </a:p>
-        </p:txBody>
-      </p:sp>
     </p:spTree>
     <p:extLst>
       <p:ext uri="{BB962C8B-B14F-4D97-AF65-F5344CB8AC3E}">
-        <p14:creationId xmlns:p14="http://schemas.microsoft.com/office/powerpoint/2010/main" val="2070597796"/>
+        <p14:creationId xmlns:p14="http://schemas.microsoft.com/office/powerpoint/2010/main" val="1715871320"/>
       </p:ext>
     </p:extLst>
   </p:cSld>
@@ -13783,6 +13791,11 @@
               <a:rPr lang="en-US" dirty="0"/>
               <a:t>Purpose: define constants</a:t>
             </a:r>
+            <a:r>
+              <a:rPr lang="zh-CN" altLang="en-US" dirty="0"/>
+              <a:t> </a:t>
+            </a:r>
+            <a:endParaRPr lang="en-US" dirty="0"/>
           </a:p>
           <a:p>
             <a:pPr lvl="1"/>
